--- a/images/articles/symfony-docker/schema.pptx
+++ b/images/articles/symfony-docker/schema.pptx
@@ -241,7 +241,7 @@
           <a:p>
             <a:fld id="{98B74959-DE13-47D6-8CD9-314019E69C1F}" type="datetimeFigureOut">
               <a:rPr lang="fr-FR" smtClean="0"/>
-              <a:t>06/04/2016</a:t>
+              <a:t>24/06/2016</a:t>
             </a:fld>
             <a:endParaRPr lang="fr-FR"/>
           </a:p>
@@ -409,7 +409,7 @@
           <a:p>
             <a:fld id="{98B74959-DE13-47D6-8CD9-314019E69C1F}" type="datetimeFigureOut">
               <a:rPr lang="fr-FR" smtClean="0"/>
-              <a:t>06/04/2016</a:t>
+              <a:t>24/06/2016</a:t>
             </a:fld>
             <a:endParaRPr lang="fr-FR"/>
           </a:p>
@@ -587,7 +587,7 @@
           <a:p>
             <a:fld id="{98B74959-DE13-47D6-8CD9-314019E69C1F}" type="datetimeFigureOut">
               <a:rPr lang="fr-FR" smtClean="0"/>
-              <a:t>06/04/2016</a:t>
+              <a:t>24/06/2016</a:t>
             </a:fld>
             <a:endParaRPr lang="fr-FR"/>
           </a:p>
@@ -755,7 +755,7 @@
           <a:p>
             <a:fld id="{98B74959-DE13-47D6-8CD9-314019E69C1F}" type="datetimeFigureOut">
               <a:rPr lang="fr-FR" smtClean="0"/>
-              <a:t>06/04/2016</a:t>
+              <a:t>24/06/2016</a:t>
             </a:fld>
             <a:endParaRPr lang="fr-FR"/>
           </a:p>
@@ -1000,7 +1000,7 @@
           <a:p>
             <a:fld id="{98B74959-DE13-47D6-8CD9-314019E69C1F}" type="datetimeFigureOut">
               <a:rPr lang="fr-FR" smtClean="0"/>
-              <a:t>06/04/2016</a:t>
+              <a:t>24/06/2016</a:t>
             </a:fld>
             <a:endParaRPr lang="fr-FR"/>
           </a:p>
@@ -1229,7 +1229,7 @@
           <a:p>
             <a:fld id="{98B74959-DE13-47D6-8CD9-314019E69C1F}" type="datetimeFigureOut">
               <a:rPr lang="fr-FR" smtClean="0"/>
-              <a:t>06/04/2016</a:t>
+              <a:t>24/06/2016</a:t>
             </a:fld>
             <a:endParaRPr lang="fr-FR"/>
           </a:p>
@@ -1593,7 +1593,7 @@
           <a:p>
             <a:fld id="{98B74959-DE13-47D6-8CD9-314019E69C1F}" type="datetimeFigureOut">
               <a:rPr lang="fr-FR" smtClean="0"/>
-              <a:t>06/04/2016</a:t>
+              <a:t>24/06/2016</a:t>
             </a:fld>
             <a:endParaRPr lang="fr-FR"/>
           </a:p>
@@ -1710,7 +1710,7 @@
           <a:p>
             <a:fld id="{98B74959-DE13-47D6-8CD9-314019E69C1F}" type="datetimeFigureOut">
               <a:rPr lang="fr-FR" smtClean="0"/>
-              <a:t>06/04/2016</a:t>
+              <a:t>24/06/2016</a:t>
             </a:fld>
             <a:endParaRPr lang="fr-FR"/>
           </a:p>
@@ -1805,7 +1805,7 @@
           <a:p>
             <a:fld id="{98B74959-DE13-47D6-8CD9-314019E69C1F}" type="datetimeFigureOut">
               <a:rPr lang="fr-FR" smtClean="0"/>
-              <a:t>06/04/2016</a:t>
+              <a:t>24/06/2016</a:t>
             </a:fld>
             <a:endParaRPr lang="fr-FR"/>
           </a:p>
@@ -2080,7 +2080,7 @@
           <a:p>
             <a:fld id="{98B74959-DE13-47D6-8CD9-314019E69C1F}" type="datetimeFigureOut">
               <a:rPr lang="fr-FR" smtClean="0"/>
-              <a:t>06/04/2016</a:t>
+              <a:t>24/06/2016</a:t>
             </a:fld>
             <a:endParaRPr lang="fr-FR"/>
           </a:p>
@@ -2332,7 +2332,7 @@
           <a:p>
             <a:fld id="{98B74959-DE13-47D6-8CD9-314019E69C1F}" type="datetimeFigureOut">
               <a:rPr lang="fr-FR" smtClean="0"/>
-              <a:t>06/04/2016</a:t>
+              <a:t>24/06/2016</a:t>
             </a:fld>
             <a:endParaRPr lang="fr-FR"/>
           </a:p>
@@ -2543,7 +2543,7 @@
           <a:p>
             <a:fld id="{98B74959-DE13-47D6-8CD9-314019E69C1F}" type="datetimeFigureOut">
               <a:rPr lang="fr-FR" smtClean="0"/>
-              <a:t>06/04/2016</a:t>
+              <a:t>24/06/2016</a:t>
             </a:fld>
             <a:endParaRPr lang="fr-FR"/>
           </a:p>
@@ -2950,19 +2950,21 @@
       </p:grpSpPr>
       <p:sp>
         <p:nvSpPr>
-          <p:cNvPr id="14" name="Rectangle 13"/>
+          <p:cNvPr id="19" name="Rectangle 18"/>
           <p:cNvSpPr/>
           <p:nvPr/>
         </p:nvSpPr>
         <p:spPr>
           <a:xfrm>
-            <a:off x="1266092" y="1308294"/>
-            <a:ext cx="1955410" cy="1463317"/>
+            <a:off x="5740400" y="4684028"/>
+            <a:ext cx="3697014" cy="1632366"/>
           </a:xfrm>
           <a:prstGeom prst="rect">
             <a:avLst/>
           </a:prstGeom>
-          <a:noFill/>
+          <a:solidFill>
+            <a:schemeClr val="bg1"/>
+          </a:solidFill>
           <a:ln w="28575">
             <a:solidFill>
               <a:schemeClr val="accent6">
@@ -2996,12 +2998,162 @@
           </a:p>
         </p:txBody>
       </p:sp>
+      <p:sp>
+        <p:nvSpPr>
+          <p:cNvPr id="18" name="Rectangle 17"/>
+          <p:cNvSpPr/>
+          <p:nvPr/>
+        </p:nvSpPr>
+        <p:spPr>
+          <a:xfrm>
+            <a:off x="7481158" y="2990215"/>
+            <a:ext cx="1955410" cy="1463317"/>
+          </a:xfrm>
+          <a:prstGeom prst="rect">
+            <a:avLst/>
+          </a:prstGeom>
+          <a:solidFill>
+            <a:schemeClr val="bg1"/>
+          </a:solidFill>
+          <a:ln w="28575">
+            <a:solidFill>
+              <a:schemeClr val="accent6">
+                <a:lumMod val="50000"/>
+              </a:schemeClr>
+            </a:solidFill>
+          </a:ln>
+        </p:spPr>
+        <p:style>
+          <a:lnRef idx="2">
+            <a:schemeClr val="accent1">
+              <a:shade val="50000"/>
+            </a:schemeClr>
+          </a:lnRef>
+          <a:fillRef idx="1">
+            <a:schemeClr val="accent1"/>
+          </a:fillRef>
+          <a:effectRef idx="0">
+            <a:schemeClr val="accent1"/>
+          </a:effectRef>
+          <a:fontRef idx="minor">
+            <a:schemeClr val="lt1"/>
+          </a:fontRef>
+        </p:style>
+        <p:txBody>
+          <a:bodyPr rtlCol="0" anchor="ctr"/>
+          <a:lstStyle/>
+          <a:p>
+            <a:pPr algn="ctr"/>
+            <a:endParaRPr lang="fr-FR"/>
+          </a:p>
+        </p:txBody>
+      </p:sp>
+      <p:sp>
+        <p:nvSpPr>
+          <p:cNvPr id="17" name="Rectangle 16"/>
+          <p:cNvSpPr/>
+          <p:nvPr/>
+        </p:nvSpPr>
+        <p:spPr>
+          <a:xfrm>
+            <a:off x="7485895" y="1292289"/>
+            <a:ext cx="1955410" cy="1463317"/>
+          </a:xfrm>
+          <a:prstGeom prst="rect">
+            <a:avLst/>
+          </a:prstGeom>
+          <a:solidFill>
+            <a:schemeClr val="bg1"/>
+          </a:solidFill>
+          <a:ln w="28575">
+            <a:solidFill>
+              <a:schemeClr val="accent6">
+                <a:lumMod val="50000"/>
+              </a:schemeClr>
+            </a:solidFill>
+          </a:ln>
+        </p:spPr>
+        <p:style>
+          <a:lnRef idx="2">
+            <a:schemeClr val="accent1">
+              <a:shade val="50000"/>
+            </a:schemeClr>
+          </a:lnRef>
+          <a:fillRef idx="1">
+            <a:schemeClr val="accent1"/>
+          </a:fillRef>
+          <a:effectRef idx="0">
+            <a:schemeClr val="accent1"/>
+          </a:effectRef>
+          <a:fontRef idx="minor">
+            <a:schemeClr val="lt1"/>
+          </a:fontRef>
+        </p:style>
+        <p:txBody>
+          <a:bodyPr rtlCol="0" anchor="ctr"/>
+          <a:lstStyle/>
+          <a:p>
+            <a:pPr algn="ctr"/>
+            <a:endParaRPr lang="fr-FR"/>
+          </a:p>
+        </p:txBody>
+      </p:sp>
+      <p:sp>
+        <p:nvSpPr>
+          <p:cNvPr id="14" name="Rectangle 13"/>
+          <p:cNvSpPr/>
+          <p:nvPr/>
+        </p:nvSpPr>
+        <p:spPr>
+          <a:xfrm>
+            <a:off x="1266092" y="1308294"/>
+            <a:ext cx="1955410" cy="1463317"/>
+          </a:xfrm>
+          <a:prstGeom prst="rect">
+            <a:avLst/>
+          </a:prstGeom>
+          <a:solidFill>
+            <a:schemeClr val="bg1"/>
+          </a:solidFill>
+          <a:ln w="28575">
+            <a:solidFill>
+              <a:schemeClr val="accent6">
+                <a:lumMod val="50000"/>
+              </a:schemeClr>
+            </a:solidFill>
+          </a:ln>
+        </p:spPr>
+        <p:style>
+          <a:lnRef idx="2">
+            <a:schemeClr val="accent1">
+              <a:shade val="50000"/>
+            </a:schemeClr>
+          </a:lnRef>
+          <a:fillRef idx="1">
+            <a:schemeClr val="accent1"/>
+          </a:fillRef>
+          <a:effectRef idx="0">
+            <a:schemeClr val="accent1"/>
+          </a:effectRef>
+          <a:fontRef idx="minor">
+            <a:schemeClr val="lt1"/>
+          </a:fontRef>
+        </p:style>
+        <p:txBody>
+          <a:bodyPr rtlCol="0" anchor="ctr"/>
+          <a:lstStyle/>
+          <a:p>
+            <a:pPr algn="ctr"/>
+            <a:endParaRPr lang="fr-FR"/>
+          </a:p>
+        </p:txBody>
+      </p:sp>
       <p:pic>
         <p:nvPicPr>
           <p:cNvPr id="4" name="Image 3">
             <a:extLst>
               <a:ext uri="{FF2B5EF4-FFF2-40B4-BE49-F238E27FC236}">
-                <a16:creationId xmlns:a16="http://schemas.microsoft.com/office/drawing/2014/main" id="{00000000-0000-0000-0000-000000000000}"/>
+                <a16:creationId xmlns:a16="http://schemas.microsoft.com/office/drawing/2014/main" xmlns="" id="{00000000-0000-0000-0000-000000000000}"/>
               </a:ext>
             </a:extLst>
           </p:cNvPr>
@@ -3039,7 +3191,7 @@
           <p:cNvPr id="5" name="Image 4">
             <a:extLst>
               <a:ext uri="{FF2B5EF4-FFF2-40B4-BE49-F238E27FC236}">
-                <a16:creationId xmlns:a16="http://schemas.microsoft.com/office/drawing/2014/main" id="{00000000-0000-0000-0000-000000000000}"/>
+                <a16:creationId xmlns:a16="http://schemas.microsoft.com/office/drawing/2014/main" xmlns="" id="{00000000-0000-0000-0000-000000000000}"/>
               </a:ext>
             </a:extLst>
           </p:cNvPr>
@@ -3077,7 +3229,7 @@
           <p:cNvPr id="6" name="Image 5">
             <a:extLst>
               <a:ext uri="{FF2B5EF4-FFF2-40B4-BE49-F238E27FC236}">
-                <a16:creationId xmlns:a16="http://schemas.microsoft.com/office/drawing/2014/main" id="{00000000-0000-0000-0000-000000000000}"/>
+                <a16:creationId xmlns:a16="http://schemas.microsoft.com/office/drawing/2014/main" xmlns="" id="{00000000-0000-0000-0000-000000000000}"/>
               </a:ext>
             </a:extLst>
           </p:cNvPr>
@@ -3110,12 +3262,62 @@
           </a:ln>
         </p:spPr>
       </p:pic>
+      <p:sp>
+        <p:nvSpPr>
+          <p:cNvPr id="15" name="Rectangle 14"/>
+          <p:cNvSpPr/>
+          <p:nvPr/>
+        </p:nvSpPr>
+        <p:spPr>
+          <a:xfrm>
+            <a:off x="4115728" y="1308293"/>
+            <a:ext cx="1955410" cy="1463317"/>
+          </a:xfrm>
+          <a:prstGeom prst="rect">
+            <a:avLst/>
+          </a:prstGeom>
+          <a:solidFill>
+            <a:schemeClr val="bg1"/>
+          </a:solidFill>
+          <a:ln w="28575">
+            <a:solidFill>
+              <a:schemeClr val="accent6">
+                <a:lumMod val="50000"/>
+              </a:schemeClr>
+            </a:solidFill>
+          </a:ln>
+        </p:spPr>
+        <p:style>
+          <a:lnRef idx="2">
+            <a:schemeClr val="accent1">
+              <a:shade val="50000"/>
+            </a:schemeClr>
+          </a:lnRef>
+          <a:fillRef idx="1">
+            <a:schemeClr val="accent1"/>
+          </a:fillRef>
+          <a:effectRef idx="0">
+            <a:schemeClr val="accent1"/>
+          </a:effectRef>
+          <a:fontRef idx="minor">
+            <a:schemeClr val="lt1"/>
+          </a:fontRef>
+        </p:style>
+        <p:txBody>
+          <a:bodyPr rtlCol="0" anchor="ctr"/>
+          <a:lstStyle/>
+          <a:p>
+            <a:pPr algn="ctr"/>
+            <a:endParaRPr lang="fr-FR"/>
+          </a:p>
+        </p:txBody>
+      </p:sp>
       <p:pic>
         <p:nvPicPr>
           <p:cNvPr id="7" name="Image 6">
             <a:extLst>
               <a:ext uri="{FF2B5EF4-FFF2-40B4-BE49-F238E27FC236}">
-                <a16:creationId xmlns:a16="http://schemas.microsoft.com/office/drawing/2014/main" id="{00000000-0000-0000-0000-000000000000}"/>
+                <a16:creationId xmlns:a16="http://schemas.microsoft.com/office/drawing/2014/main" xmlns="" id="{00000000-0000-0000-0000-000000000000}"/>
               </a:ext>
             </a:extLst>
           </p:cNvPr>
@@ -3153,7 +3355,7 @@
           <p:cNvPr id="8" name="Image 7">
             <a:extLst>
               <a:ext uri="{FF2B5EF4-FFF2-40B4-BE49-F238E27FC236}">
-                <a16:creationId xmlns:a16="http://schemas.microsoft.com/office/drawing/2014/main" id="{00000000-0000-0000-0000-000000000000}"/>
+                <a16:creationId xmlns:a16="http://schemas.microsoft.com/office/drawing/2014/main" xmlns="" id="{00000000-0000-0000-0000-000000000000}"/>
               </a:ext>
             </a:extLst>
           </p:cNvPr>
@@ -3174,7 +3376,7 @@
         </p:blipFill>
         <p:spPr>
           <a:xfrm>
-            <a:off x="6178072" y="4690370"/>
+            <a:off x="5757116" y="4699658"/>
             <a:ext cx="359948" cy="359948"/>
           </a:xfrm>
           <a:prstGeom prst="rect">
@@ -3191,7 +3393,7 @@
           <p:cNvPr id="9" name="Image 8">
             <a:extLst>
               <a:ext uri="{FF2B5EF4-FFF2-40B4-BE49-F238E27FC236}">
-                <a16:creationId xmlns:a16="http://schemas.microsoft.com/office/drawing/2014/main" id="{00000000-0000-0000-0000-000000000000}"/>
+                <a16:creationId xmlns:a16="http://schemas.microsoft.com/office/drawing/2014/main" xmlns="" id="{00000000-0000-0000-0000-000000000000}"/>
               </a:ext>
             </a:extLst>
           </p:cNvPr>
@@ -3212,7 +3414,7 @@
         </p:blipFill>
         <p:spPr>
           <a:xfrm>
-            <a:off x="3334044" y="3630212"/>
+            <a:off x="2856792" y="3469231"/>
             <a:ext cx="822960" cy="897839"/>
           </a:xfrm>
           <a:prstGeom prst="rect">
@@ -3229,7 +3431,7 @@
           <p:cNvPr id="10" name="Image 9">
             <a:extLst>
               <a:ext uri="{FF2B5EF4-FFF2-40B4-BE49-F238E27FC236}">
-                <a16:creationId xmlns:a16="http://schemas.microsoft.com/office/drawing/2014/main" id="{00000000-0000-0000-0000-000000000000}"/>
+                <a16:creationId xmlns:a16="http://schemas.microsoft.com/office/drawing/2014/main" xmlns="" id="{00000000-0000-0000-0000-000000000000}"/>
               </a:ext>
             </a:extLst>
           </p:cNvPr>
@@ -3250,7 +3452,7 @@
         </p:blipFill>
         <p:spPr>
           <a:xfrm>
-            <a:off x="6315020" y="4951796"/>
+            <a:off x="6055021" y="4892048"/>
             <a:ext cx="708840" cy="1031399"/>
           </a:xfrm>
           <a:prstGeom prst="rect">
@@ -3267,7 +3469,7 @@
           <p:cNvPr id="11" name="Image 10">
             <a:extLst>
               <a:ext uri="{FF2B5EF4-FFF2-40B4-BE49-F238E27FC236}">
-                <a16:creationId xmlns:a16="http://schemas.microsoft.com/office/drawing/2014/main" id="{00000000-0000-0000-0000-000000000000}"/>
+                <a16:creationId xmlns:a16="http://schemas.microsoft.com/office/drawing/2014/main" xmlns="" id="{00000000-0000-0000-0000-000000000000}"/>
               </a:ext>
             </a:extLst>
           </p:cNvPr>
@@ -3288,7 +3490,7 @@
         </p:blipFill>
         <p:spPr>
           <a:xfrm>
-            <a:off x="7094420" y="5059796"/>
+            <a:off x="7043548" y="4941333"/>
             <a:ext cx="1049399" cy="923400"/>
           </a:xfrm>
           <a:prstGeom prst="rect">
@@ -3305,7 +3507,7 @@
           <p:cNvPr id="12" name="Image 11">
             <a:extLst>
               <a:ext uri="{FF2B5EF4-FFF2-40B4-BE49-F238E27FC236}">
-                <a16:creationId xmlns:a16="http://schemas.microsoft.com/office/drawing/2014/main" id="{00000000-0000-0000-0000-000000000000}"/>
+                <a16:creationId xmlns:a16="http://schemas.microsoft.com/office/drawing/2014/main" xmlns="" id="{00000000-0000-0000-0000-000000000000}"/>
               </a:ext>
             </a:extLst>
           </p:cNvPr>
@@ -3326,7 +3528,7 @@
         </p:blipFill>
         <p:spPr>
           <a:xfrm>
-            <a:off x="8214379" y="5146893"/>
+            <a:off x="8227355" y="5062752"/>
             <a:ext cx="988560" cy="727919"/>
           </a:xfrm>
           <a:prstGeom prst="rect">
@@ -3338,246 +3540,6 @@
           </a:ln>
         </p:spPr>
       </p:pic>
-      <p:sp>
-        <p:nvSpPr>
-          <p:cNvPr id="15" name="Rectangle 14"/>
-          <p:cNvSpPr/>
-          <p:nvPr/>
-        </p:nvSpPr>
-        <p:spPr>
-          <a:xfrm>
-            <a:off x="4115728" y="1308293"/>
-            <a:ext cx="1955410" cy="1463317"/>
-          </a:xfrm>
-          <a:prstGeom prst="rect">
-            <a:avLst/>
-          </a:prstGeom>
-          <a:noFill/>
-          <a:ln w="28575">
-            <a:solidFill>
-              <a:schemeClr val="accent6">
-                <a:lumMod val="50000"/>
-              </a:schemeClr>
-            </a:solidFill>
-          </a:ln>
-        </p:spPr>
-        <p:style>
-          <a:lnRef idx="2">
-            <a:schemeClr val="accent1">
-              <a:shade val="50000"/>
-            </a:schemeClr>
-          </a:lnRef>
-          <a:fillRef idx="1">
-            <a:schemeClr val="accent1"/>
-          </a:fillRef>
-          <a:effectRef idx="0">
-            <a:schemeClr val="accent1"/>
-          </a:effectRef>
-          <a:fontRef idx="minor">
-            <a:schemeClr val="lt1"/>
-          </a:fontRef>
-        </p:style>
-        <p:txBody>
-          <a:bodyPr rtlCol="0" anchor="ctr"/>
-          <a:lstStyle/>
-          <a:p>
-            <a:pPr algn="ctr"/>
-            <a:endParaRPr lang="fr-FR"/>
-          </a:p>
-        </p:txBody>
-      </p:sp>
-      <p:sp>
-        <p:nvSpPr>
-          <p:cNvPr id="16" name="Rectangle 15"/>
-          <p:cNvSpPr/>
-          <p:nvPr/>
-        </p:nvSpPr>
-        <p:spPr>
-          <a:xfrm>
-            <a:off x="2767819" y="3451042"/>
-            <a:ext cx="1955410" cy="1463317"/>
-          </a:xfrm>
-          <a:prstGeom prst="rect">
-            <a:avLst/>
-          </a:prstGeom>
-          <a:noFill/>
-          <a:ln w="28575">
-            <a:solidFill>
-              <a:schemeClr val="accent6">
-                <a:lumMod val="50000"/>
-              </a:schemeClr>
-            </a:solidFill>
-          </a:ln>
-        </p:spPr>
-        <p:style>
-          <a:lnRef idx="2">
-            <a:schemeClr val="accent1">
-              <a:shade val="50000"/>
-            </a:schemeClr>
-          </a:lnRef>
-          <a:fillRef idx="1">
-            <a:schemeClr val="accent1"/>
-          </a:fillRef>
-          <a:effectRef idx="0">
-            <a:schemeClr val="accent1"/>
-          </a:effectRef>
-          <a:fontRef idx="minor">
-            <a:schemeClr val="lt1"/>
-          </a:fontRef>
-        </p:style>
-        <p:txBody>
-          <a:bodyPr rtlCol="0" anchor="ctr"/>
-          <a:lstStyle/>
-          <a:p>
-            <a:pPr algn="ctr"/>
-            <a:endParaRPr lang="fr-FR"/>
-          </a:p>
-        </p:txBody>
-      </p:sp>
-      <p:sp>
-        <p:nvSpPr>
-          <p:cNvPr id="17" name="Rectangle 16"/>
-          <p:cNvSpPr/>
-          <p:nvPr/>
-        </p:nvSpPr>
-        <p:spPr>
-          <a:xfrm>
-            <a:off x="7485895" y="1292289"/>
-            <a:ext cx="1955410" cy="1463317"/>
-          </a:xfrm>
-          <a:prstGeom prst="rect">
-            <a:avLst/>
-          </a:prstGeom>
-          <a:noFill/>
-          <a:ln w="28575">
-            <a:solidFill>
-              <a:schemeClr val="accent6">
-                <a:lumMod val="50000"/>
-              </a:schemeClr>
-            </a:solidFill>
-          </a:ln>
-        </p:spPr>
-        <p:style>
-          <a:lnRef idx="2">
-            <a:schemeClr val="accent1">
-              <a:shade val="50000"/>
-            </a:schemeClr>
-          </a:lnRef>
-          <a:fillRef idx="1">
-            <a:schemeClr val="accent1"/>
-          </a:fillRef>
-          <a:effectRef idx="0">
-            <a:schemeClr val="accent1"/>
-          </a:effectRef>
-          <a:fontRef idx="minor">
-            <a:schemeClr val="lt1"/>
-          </a:fontRef>
-        </p:style>
-        <p:txBody>
-          <a:bodyPr rtlCol="0" anchor="ctr"/>
-          <a:lstStyle/>
-          <a:p>
-            <a:pPr algn="ctr"/>
-            <a:endParaRPr lang="fr-FR"/>
-          </a:p>
-        </p:txBody>
-      </p:sp>
-      <p:sp>
-        <p:nvSpPr>
-          <p:cNvPr id="18" name="Rectangle 17"/>
-          <p:cNvSpPr/>
-          <p:nvPr/>
-        </p:nvSpPr>
-        <p:spPr>
-          <a:xfrm>
-            <a:off x="7481158" y="2990215"/>
-            <a:ext cx="1955410" cy="1463317"/>
-          </a:xfrm>
-          <a:prstGeom prst="rect">
-            <a:avLst/>
-          </a:prstGeom>
-          <a:noFill/>
-          <a:ln w="28575">
-            <a:solidFill>
-              <a:schemeClr val="accent6">
-                <a:lumMod val="50000"/>
-              </a:schemeClr>
-            </a:solidFill>
-          </a:ln>
-        </p:spPr>
-        <p:style>
-          <a:lnRef idx="2">
-            <a:schemeClr val="accent1">
-              <a:shade val="50000"/>
-            </a:schemeClr>
-          </a:lnRef>
-          <a:fillRef idx="1">
-            <a:schemeClr val="accent1"/>
-          </a:fillRef>
-          <a:effectRef idx="0">
-            <a:schemeClr val="accent1"/>
-          </a:effectRef>
-          <a:fontRef idx="minor">
-            <a:schemeClr val="lt1"/>
-          </a:fontRef>
-        </p:style>
-        <p:txBody>
-          <a:bodyPr rtlCol="0" anchor="ctr"/>
-          <a:lstStyle/>
-          <a:p>
-            <a:pPr algn="ctr"/>
-            <a:endParaRPr lang="fr-FR"/>
-          </a:p>
-        </p:txBody>
-      </p:sp>
-      <p:sp>
-        <p:nvSpPr>
-          <p:cNvPr id="19" name="Rectangle 18"/>
-          <p:cNvSpPr/>
-          <p:nvPr/>
-        </p:nvSpPr>
-        <p:spPr>
-          <a:xfrm>
-            <a:off x="6128584" y="4684028"/>
-            <a:ext cx="3308829" cy="1632366"/>
-          </a:xfrm>
-          <a:prstGeom prst="rect">
-            <a:avLst/>
-          </a:prstGeom>
-          <a:noFill/>
-          <a:ln w="28575">
-            <a:solidFill>
-              <a:schemeClr val="accent6">
-                <a:lumMod val="50000"/>
-              </a:schemeClr>
-            </a:solidFill>
-          </a:ln>
-        </p:spPr>
-        <p:style>
-          <a:lnRef idx="2">
-            <a:schemeClr val="accent1">
-              <a:shade val="50000"/>
-            </a:schemeClr>
-          </a:lnRef>
-          <a:fillRef idx="1">
-            <a:schemeClr val="accent1"/>
-          </a:fillRef>
-          <a:effectRef idx="0">
-            <a:schemeClr val="accent1"/>
-          </a:effectRef>
-          <a:fontRef idx="minor">
-            <a:schemeClr val="lt1"/>
-          </a:fontRef>
-        </p:style>
-        <p:txBody>
-          <a:bodyPr rtlCol="0" anchor="ctr"/>
-          <a:lstStyle/>
-          <a:p>
-            <a:pPr algn="ctr"/>
-            <a:endParaRPr lang="fr-FR"/>
-          </a:p>
-        </p:txBody>
-      </p:sp>
       <p:cxnSp>
         <p:nvCxnSpPr>
           <p:cNvPr id="21" name="Connecteur droit 20"/>
@@ -3591,86 +3553,6 @@
           <a:xfrm flipV="1">
             <a:off x="3221502" y="2039952"/>
             <a:ext cx="894226" cy="1"/>
-          </a:xfrm>
-          <a:prstGeom prst="line">
-            <a:avLst/>
-          </a:prstGeom>
-          <a:ln w="38100">
-            <a:solidFill>
-              <a:schemeClr val="accent6">
-                <a:lumMod val="50000"/>
-              </a:schemeClr>
-            </a:solidFill>
-          </a:ln>
-        </p:spPr>
-        <p:style>
-          <a:lnRef idx="1">
-            <a:schemeClr val="accent1"/>
-          </a:lnRef>
-          <a:fillRef idx="0">
-            <a:schemeClr val="accent1"/>
-          </a:fillRef>
-          <a:effectRef idx="0">
-            <a:schemeClr val="accent1"/>
-          </a:effectRef>
-          <a:fontRef idx="minor">
-            <a:schemeClr val="tx1"/>
-          </a:fontRef>
-        </p:style>
-      </p:cxnSp>
-      <p:cxnSp>
-        <p:nvCxnSpPr>
-          <p:cNvPr id="22" name="Connecteur droit 21"/>
-          <p:cNvCxnSpPr>
-            <a:stCxn id="16" idx="0"/>
-            <a:endCxn id="14" idx="2"/>
-          </p:cNvCxnSpPr>
-          <p:nvPr/>
-        </p:nvCxnSpPr>
-        <p:spPr>
-          <a:xfrm flipH="1" flipV="1">
-            <a:off x="2243797" y="2771611"/>
-            <a:ext cx="1501727" cy="679431"/>
-          </a:xfrm>
-          <a:prstGeom prst="line">
-            <a:avLst/>
-          </a:prstGeom>
-          <a:ln w="38100">
-            <a:solidFill>
-              <a:schemeClr val="accent6">
-                <a:lumMod val="50000"/>
-              </a:schemeClr>
-            </a:solidFill>
-          </a:ln>
-        </p:spPr>
-        <p:style>
-          <a:lnRef idx="1">
-            <a:schemeClr val="accent1"/>
-          </a:lnRef>
-          <a:fillRef idx="0">
-            <a:schemeClr val="accent1"/>
-          </a:fillRef>
-          <a:effectRef idx="0">
-            <a:schemeClr val="accent1"/>
-          </a:effectRef>
-          <a:fontRef idx="minor">
-            <a:schemeClr val="tx1"/>
-          </a:fontRef>
-        </p:style>
-      </p:cxnSp>
-      <p:cxnSp>
-        <p:nvCxnSpPr>
-          <p:cNvPr id="25" name="Connecteur droit 24"/>
-          <p:cNvCxnSpPr>
-            <a:stCxn id="16" idx="0"/>
-            <a:endCxn id="15" idx="2"/>
-          </p:cNvCxnSpPr>
-          <p:nvPr/>
-        </p:nvCxnSpPr>
-        <p:spPr>
-          <a:xfrm flipV="1">
-            <a:off x="3745524" y="2771610"/>
-            <a:ext cx="1347909" cy="679432"/>
           </a:xfrm>
           <a:prstGeom prst="line">
             <a:avLst/>
@@ -3902,8 +3784,8 @@
         </p:nvSpPr>
         <p:spPr>
           <a:xfrm>
-            <a:off x="3386323" y="4477582"/>
-            <a:ext cx="718402" cy="369332"/>
+            <a:off x="2407350" y="4368294"/>
+            <a:ext cx="1741887" cy="646331"/>
           </a:xfrm>
           <a:prstGeom prst="rect">
             <a:avLst/>
@@ -3916,10 +3798,27 @@
           </a:bodyPr>
           <a:lstStyle/>
           <a:p>
-            <a:r>
-              <a:rPr lang="fr-FR" b="1" dirty="0"/>
+            <a:pPr algn="ctr"/>
+            <a:r>
+              <a:rPr lang="fr-FR" b="1" i="1" dirty="0"/>
               <a:t>CODE</a:t>
             </a:r>
+            <a:br>
+              <a:rPr lang="fr-FR" b="1" i="1" dirty="0"/>
+            </a:br>
+            <a:r>
+              <a:rPr lang="fr-FR" b="1" i="1" dirty="0"/>
+              <a:t>(</a:t>
+            </a:r>
+            <a:r>
+              <a:rPr lang="fr-FR" b="1" i="1" dirty="0" err="1" smtClean="0"/>
+              <a:t>shared</a:t>
+            </a:r>
+            <a:r>
+              <a:rPr lang="fr-FR" b="1" i="1" dirty="0" smtClean="0"/>
+              <a:t> volume)</a:t>
+            </a:r>
+            <a:endParaRPr lang="fr-FR" b="1" i="1" dirty="0"/>
           </a:p>
         </p:txBody>
       </p:sp>
@@ -3928,7 +3827,7 @@
           <p:cNvPr id="44" name="Image 43">
             <a:extLst>
               <a:ext uri="{FF2B5EF4-FFF2-40B4-BE49-F238E27FC236}">
-                <a16:creationId xmlns:a16="http://schemas.microsoft.com/office/drawing/2014/main" id="{00000000-0000-0000-0000-000000000000}"/>
+                <a16:creationId xmlns:a16="http://schemas.microsoft.com/office/drawing/2014/main" xmlns="" id="{00000000-0000-0000-0000-000000000000}"/>
               </a:ext>
             </a:extLst>
           </p:cNvPr>
@@ -3949,7 +3848,7 @@
         </p:blipFill>
         <p:spPr>
           <a:xfrm>
-            <a:off x="7503116" y="1308292"/>
+            <a:off x="7503116" y="1314642"/>
             <a:ext cx="359948" cy="359948"/>
           </a:xfrm>
           <a:prstGeom prst="rect">
@@ -3966,7 +3865,7 @@
           <p:cNvPr id="45" name="Image 44">
             <a:extLst>
               <a:ext uri="{FF2B5EF4-FFF2-40B4-BE49-F238E27FC236}">
-                <a16:creationId xmlns:a16="http://schemas.microsoft.com/office/drawing/2014/main" id="{00000000-0000-0000-0000-000000000000}"/>
+                <a16:creationId xmlns:a16="http://schemas.microsoft.com/office/drawing/2014/main" xmlns="" id="{00000000-0000-0000-0000-000000000000}"/>
               </a:ext>
             </a:extLst>
           </p:cNvPr>
@@ -4004,7 +3903,7 @@
           <p:cNvPr id="46" name="Image 45">
             <a:extLst>
               <a:ext uri="{FF2B5EF4-FFF2-40B4-BE49-F238E27FC236}">
-                <a16:creationId xmlns:a16="http://schemas.microsoft.com/office/drawing/2014/main" id="{00000000-0000-0000-0000-000000000000}"/>
+                <a16:creationId xmlns:a16="http://schemas.microsoft.com/office/drawing/2014/main" xmlns="" id="{00000000-0000-0000-0000-000000000000}"/>
               </a:ext>
             </a:extLst>
           </p:cNvPr>
@@ -4025,7 +3924,7 @@
         </p:blipFill>
         <p:spPr>
           <a:xfrm>
-            <a:off x="4132018" y="1328710"/>
+            <a:off x="4140727" y="1328710"/>
             <a:ext cx="359948" cy="359948"/>
           </a:xfrm>
           <a:prstGeom prst="rect">
@@ -4042,7 +3941,7 @@
           <p:cNvPr id="47" name="Image 46">
             <a:extLst>
               <a:ext uri="{FF2B5EF4-FFF2-40B4-BE49-F238E27FC236}">
-                <a16:creationId xmlns:a16="http://schemas.microsoft.com/office/drawing/2014/main" id="{00000000-0000-0000-0000-000000000000}"/>
+                <a16:creationId xmlns:a16="http://schemas.microsoft.com/office/drawing/2014/main" xmlns="" id="{00000000-0000-0000-0000-000000000000}"/>
               </a:ext>
             </a:extLst>
           </p:cNvPr>
@@ -4075,59 +3974,21 @@
           </a:ln>
         </p:spPr>
       </p:pic>
-      <p:pic>
-        <p:nvPicPr>
-          <p:cNvPr id="48" name="Image 47">
-            <a:extLst>
-              <a:ext uri="{FF2B5EF4-FFF2-40B4-BE49-F238E27FC236}">
-                <a16:creationId xmlns:a16="http://schemas.microsoft.com/office/drawing/2014/main" id="{00000000-0000-0000-0000-000000000000}"/>
-              </a:ext>
-            </a:extLst>
-          </p:cNvPr>
-          <p:cNvPicPr>
-            <a:picLocks noChangeAspect="1"/>
-          </p:cNvPicPr>
+      <p:sp>
+        <p:nvSpPr>
+          <p:cNvPr id="49" name="ZoneTexte 48"/>
+          <p:cNvSpPr txBox="1"/>
           <p:nvPr/>
-        </p:nvPicPr>
-        <p:blipFill>
-          <a:blip r:embed="rId6">
-            <a:lum/>
-            <a:alphaModFix/>
-          </a:blip>
-          <a:srcRect/>
-          <a:stretch>
-            <a:fillRect/>
-          </a:stretch>
-        </p:blipFill>
-        <p:spPr>
-          <a:xfrm>
-            <a:off x="2786306" y="3469086"/>
-            <a:ext cx="359948" cy="359948"/>
+        </p:nvSpPr>
+        <p:spPr>
+          <a:xfrm>
+            <a:off x="5711627" y="5923637"/>
+            <a:ext cx="3763146" cy="369332"/>
           </a:xfrm>
           <a:prstGeom prst="rect">
             <a:avLst/>
           </a:prstGeom>
           <a:noFill/>
-          <a:ln>
-            <a:noFill/>
-          </a:ln>
-        </p:spPr>
-      </p:pic>
-      <p:sp>
-        <p:nvSpPr>
-          <p:cNvPr id="49" name="ZoneTexte 48"/>
-          <p:cNvSpPr txBox="1"/>
-          <p:nvPr/>
-        </p:nvSpPr>
-        <p:spPr>
-          <a:xfrm>
-            <a:off x="6150360" y="5925628"/>
-            <a:ext cx="3287054" cy="369332"/>
-          </a:xfrm>
-          <a:prstGeom prst="rect">
-            <a:avLst/>
-          </a:prstGeom>
-          <a:noFill/>
         </p:spPr>
         <p:txBody>
           <a:bodyPr wrap="none" rtlCol="0">
@@ -4149,11 +4010,19 @@
             </a:r>
             <a:r>
               <a:rPr lang="fr-FR" b="1" dirty="0"/>
-              <a:t> - </a:t>
-            </a:r>
-            <a:r>
-              <a:rPr lang="fr-FR" b="1" dirty="0" err="1"/>
+              <a:t> </a:t>
+            </a:r>
+            <a:r>
+              <a:rPr lang="fr-FR" b="1" dirty="0" smtClean="0"/>
+              <a:t>– </a:t>
+            </a:r>
+            <a:r>
+              <a:rPr lang="fr-FR" b="1" dirty="0" err="1" smtClean="0"/>
               <a:t>Kibana</a:t>
+            </a:r>
+            <a:r>
+              <a:rPr lang="fr-FR" b="1" dirty="0" smtClean="0"/>
+              <a:t> (81)</a:t>
             </a:r>
             <a:endParaRPr lang="fr-FR" b="1" dirty="0"/>
           </a:p>
@@ -4168,7 +4037,7 @@
           <p:nvPr/>
         </p:nvPicPr>
         <p:blipFill>
-          <a:blip r:embed="rId11">
+          <a:blip r:embed="rId11" cstate="print">
             <a:extLst>
               <a:ext uri="{28A0092B-C50C-407E-A947-70E740481C1C}">
                 <a14:useLocalDpi xmlns:a14="http://schemas.microsoft.com/office/drawing/2010/main" val="0"/>
@@ -4254,7 +4123,7 @@
         <p:spPr>
           <a:xfrm flipV="1">
             <a:off x="2551974" y="5500211"/>
-            <a:ext cx="3576610" cy="21285"/>
+            <a:ext cx="3188426" cy="21285"/>
           </a:xfrm>
           <a:prstGeom prst="straightConnector1">
             <a:avLst/>
@@ -4332,14 +4201,14 @@
         <p:nvCxnSpPr>
           <p:cNvPr id="62" name="Connecteur droit avec flèche 61"/>
           <p:cNvCxnSpPr>
-            <a:stCxn id="16" idx="1"/>
+            <a:stCxn id="9" idx="1"/>
           </p:cNvCxnSpPr>
           <p:nvPr/>
         </p:nvCxnSpPr>
         <p:spPr>
           <a:xfrm flipH="1" flipV="1">
-            <a:off x="2238288" y="4182700"/>
-            <a:ext cx="529531" cy="1"/>
+            <a:off x="2238289" y="3912538"/>
+            <a:ext cx="618503" cy="5613"/>
           </a:xfrm>
           <a:prstGeom prst="straightConnector1">
             <a:avLst/>
@@ -4379,6 +4248,13 @@
   <p:clrMapOvr>
     <a:masterClrMapping/>
   </p:clrMapOvr>
+  <p:timing>
+    <p:tnLst>
+      <p:par>
+        <p:cTn id="1" dur="indefinite" restart="never" nodeType="tmRoot"/>
+      </p:par>
+    </p:tnLst>
+  </p:timing>
 </p:sld>
 </file>
 
